--- a/The Constitution of India.pptx
+++ b/The Constitution of India.pptx
@@ -255,7 +255,7 @@
           <a:p>
             <a:fld id="{E9027F8E-52B4-4CA8-91ED-46BB012F19B8}" type="datetimeFigureOut">
               <a:rPr lang="en-US" smtClean="0"/>
-              <a:t>7/8/2025</a:t>
+              <a:t>7/9/2025</a:t>
             </a:fld>
             <a:endParaRPr lang="en-US"/>
           </a:p>
@@ -425,7 +425,7 @@
           <a:p>
             <a:fld id="{E9027F8E-52B4-4CA8-91ED-46BB012F19B8}" type="datetimeFigureOut">
               <a:rPr lang="en-US" smtClean="0"/>
-              <a:t>7/8/2025</a:t>
+              <a:t>7/9/2025</a:t>
             </a:fld>
             <a:endParaRPr lang="en-US"/>
           </a:p>
@@ -605,7 +605,7 @@
           <a:p>
             <a:fld id="{E9027F8E-52B4-4CA8-91ED-46BB012F19B8}" type="datetimeFigureOut">
               <a:rPr lang="en-US" smtClean="0"/>
-              <a:t>7/8/2025</a:t>
+              <a:t>7/9/2025</a:t>
             </a:fld>
             <a:endParaRPr lang="en-US"/>
           </a:p>
@@ -775,7 +775,7 @@
           <a:p>
             <a:fld id="{E9027F8E-52B4-4CA8-91ED-46BB012F19B8}" type="datetimeFigureOut">
               <a:rPr lang="en-US" smtClean="0"/>
-              <a:t>7/8/2025</a:t>
+              <a:t>7/9/2025</a:t>
             </a:fld>
             <a:endParaRPr lang="en-US"/>
           </a:p>
@@ -1021,7 +1021,7 @@
           <a:p>
             <a:fld id="{E9027F8E-52B4-4CA8-91ED-46BB012F19B8}" type="datetimeFigureOut">
               <a:rPr lang="en-US" smtClean="0"/>
-              <a:t>7/8/2025</a:t>
+              <a:t>7/9/2025</a:t>
             </a:fld>
             <a:endParaRPr lang="en-US"/>
           </a:p>
@@ -1253,7 +1253,7 @@
           <a:p>
             <a:fld id="{E9027F8E-52B4-4CA8-91ED-46BB012F19B8}" type="datetimeFigureOut">
               <a:rPr lang="en-US" smtClean="0"/>
-              <a:t>7/8/2025</a:t>
+              <a:t>7/9/2025</a:t>
             </a:fld>
             <a:endParaRPr lang="en-US"/>
           </a:p>
@@ -1620,7 +1620,7 @@
           <a:p>
             <a:fld id="{E9027F8E-52B4-4CA8-91ED-46BB012F19B8}" type="datetimeFigureOut">
               <a:rPr lang="en-US" smtClean="0"/>
-              <a:t>7/8/2025</a:t>
+              <a:t>7/9/2025</a:t>
             </a:fld>
             <a:endParaRPr lang="en-US"/>
           </a:p>
@@ -1738,7 +1738,7 @@
           <a:p>
             <a:fld id="{E9027F8E-52B4-4CA8-91ED-46BB012F19B8}" type="datetimeFigureOut">
               <a:rPr lang="en-US" smtClean="0"/>
-              <a:t>7/8/2025</a:t>
+              <a:t>7/9/2025</a:t>
             </a:fld>
             <a:endParaRPr lang="en-US"/>
           </a:p>
@@ -1833,7 +1833,7 @@
           <a:p>
             <a:fld id="{E9027F8E-52B4-4CA8-91ED-46BB012F19B8}" type="datetimeFigureOut">
               <a:rPr lang="en-US" smtClean="0"/>
-              <a:t>7/8/2025</a:t>
+              <a:t>7/9/2025</a:t>
             </a:fld>
             <a:endParaRPr lang="en-US"/>
           </a:p>
@@ -2110,7 +2110,7 @@
           <a:p>
             <a:fld id="{E9027F8E-52B4-4CA8-91ED-46BB012F19B8}" type="datetimeFigureOut">
               <a:rPr lang="en-US" smtClean="0"/>
-              <a:t>7/8/2025</a:t>
+              <a:t>7/9/2025</a:t>
             </a:fld>
             <a:endParaRPr lang="en-US"/>
           </a:p>
@@ -2363,7 +2363,7 @@
           <a:p>
             <a:fld id="{E9027F8E-52B4-4CA8-91ED-46BB012F19B8}" type="datetimeFigureOut">
               <a:rPr lang="en-US" smtClean="0"/>
-              <a:t>7/8/2025</a:t>
+              <a:t>7/9/2025</a:t>
             </a:fld>
             <a:endParaRPr lang="en-US"/>
           </a:p>
@@ -2428,9 +2428,32 @@
 <p:sldMaster xmlns:a="http://schemas.openxmlformats.org/drawingml/2006/main" xmlns:r="http://schemas.openxmlformats.org/officeDocument/2006/relationships" xmlns:p="http://schemas.openxmlformats.org/presentationml/2006/main">
   <p:cSld>
     <p:bg>
-      <p:bgRef idx="1001">
-        <a:schemeClr val="bg1"/>
-      </p:bgRef>
+      <p:bgPr>
+        <a:gradFill flip="none" rotWithShape="1">
+          <a:gsLst>
+            <a:gs pos="0">
+              <a:schemeClr val="accent2"/>
+            </a:gs>
+            <a:gs pos="46000">
+              <a:schemeClr val="bg1"/>
+            </a:gs>
+            <a:gs pos="64000">
+              <a:schemeClr val="bg1"/>
+            </a:gs>
+            <a:gs pos="20332">
+              <a:schemeClr val="accent2"/>
+            </a:gs>
+            <a:gs pos="82000">
+              <a:schemeClr val="accent6">
+                <a:lumMod val="75000"/>
+              </a:schemeClr>
+            </a:gs>
+          </a:gsLst>
+          <a:lin ang="5400000" scaled="1"/>
+          <a:tileRect/>
+        </a:gradFill>
+        <a:effectLst/>
+      </p:bgPr>
     </p:bg>
     <p:spTree>
       <p:nvGrpSpPr>
@@ -2576,7 +2599,7 @@
           <a:p>
             <a:fld id="{E9027F8E-52B4-4CA8-91ED-46BB012F19B8}" type="datetimeFigureOut">
               <a:rPr lang="en-US" smtClean="0"/>
-              <a:t>7/8/2025</a:t>
+              <a:t>7/9/2025</a:t>
             </a:fld>
             <a:endParaRPr lang="en-US"/>
           </a:p>
@@ -3008,7 +3031,7 @@
               <a:rPr lang="en-US" sz="6600" dirty="0" smtClean="0">
                 <a:latin typeface="Arial Black" panose="020B0A04020102020204" pitchFamily="34" charset="0"/>
               </a:rPr>
-              <a:t>The Constitution of India</a:t>
+              <a:t>The Constitution of   India</a:t>
             </a:r>
             <a:r>
               <a:rPr lang="en-US" sz="6600" dirty="0" smtClean="0"/>
@@ -3103,13 +3126,13 @@
   <p:clrMapOvr>
     <a:masterClrMapping/>
   </p:clrMapOvr>
-  <mc:AlternateContent xmlns:mc="http://schemas.openxmlformats.org/markup-compatibility/2006">
-    <mc:Choice xmlns:p15="http://schemas.microsoft.com/office/powerpoint/2012/main" Requires="p15">
+  <mc:AlternateContent xmlns:mc="http://schemas.openxmlformats.org/markup-compatibility/2006" xmlns:p15="http://schemas.microsoft.com/office/powerpoint/2012/main">
+    <mc:Choice Requires="p15">
       <p:transition xmlns:p14="http://schemas.microsoft.com/office/powerpoint/2010/main" spd="slow" p14:dur="6000">
         <p15:prstTrans prst="curtains"/>
       </p:transition>
     </mc:Choice>
-    <mc:Fallback>
+    <mc:Fallback xmlns="">
       <p:transition spd="slow">
         <p:fade/>
       </p:transition>
@@ -3128,6 +3151,20 @@
 <file path=ppt/slides/slide10.xml><?xml version="1.0" encoding="utf-8"?>
 <p:sld xmlns:a="http://schemas.openxmlformats.org/drawingml/2006/main" xmlns:r="http://schemas.openxmlformats.org/officeDocument/2006/relationships" xmlns:p="http://schemas.openxmlformats.org/presentationml/2006/main">
   <p:cSld>
+    <p:bg>
+      <p:bgPr>
+        <a:blipFill dpi="0" rotWithShape="1">
+          <a:blip r:embed="rId2">
+            <a:lum/>
+          </a:blip>
+          <a:srcRect/>
+          <a:stretch>
+            <a:fillRect t="-9000" b="-9000"/>
+          </a:stretch>
+        </a:blipFill>
+        <a:effectLst/>
+      </p:bgPr>
+    </p:bg>
     <p:spTree>
       <p:nvGrpSpPr>
         <p:cNvPr id="1" name=""/>
@@ -3269,7 +3306,7 @@
           <p:nvPr/>
         </p:nvPicPr>
         <p:blipFill>
-          <a:blip r:embed="rId2">
+          <a:blip r:embed="rId3">
             <a:extLst>
               <a:ext uri="{28A0092B-C50C-407E-A947-70E740481C1C}">
                 <a14:useLocalDpi xmlns:a14="http://schemas.microsoft.com/office/drawing/2010/main" val="0"/>
@@ -3300,13 +3337,13 @@
   <p:clrMapOvr>
     <a:masterClrMapping/>
   </p:clrMapOvr>
-  <mc:AlternateContent xmlns:mc="http://schemas.openxmlformats.org/markup-compatibility/2006">
-    <mc:Choice xmlns:p14="http://schemas.microsoft.com/office/powerpoint/2010/main" Requires="p14">
+  <mc:AlternateContent xmlns:mc="http://schemas.openxmlformats.org/markup-compatibility/2006" xmlns:p14="http://schemas.microsoft.com/office/powerpoint/2010/main">
+    <mc:Choice Requires="p14">
       <p:transition spd="slow" p14:dur="1250">
         <p14:switch dir="r"/>
       </p:transition>
     </mc:Choice>
-    <mc:Fallback>
+    <mc:Fallback xmlns="">
       <p:transition spd="slow">
         <p:fade/>
       </p:transition>
@@ -3702,6 +3739,20 @@
 <file path=ppt/slides/slide11.xml><?xml version="1.0" encoding="utf-8"?>
 <p:sld xmlns:a="http://schemas.openxmlformats.org/drawingml/2006/main" xmlns:r="http://schemas.openxmlformats.org/officeDocument/2006/relationships" xmlns:p="http://schemas.openxmlformats.org/presentationml/2006/main">
   <p:cSld>
+    <p:bg>
+      <p:bgPr>
+        <a:blipFill dpi="0" rotWithShape="1">
+          <a:blip r:embed="rId2">
+            <a:lum/>
+          </a:blip>
+          <a:srcRect/>
+          <a:stretch>
+            <a:fillRect t="-9000" b="-9000"/>
+          </a:stretch>
+        </a:blipFill>
+        <a:effectLst/>
+      </p:bgPr>
+    </p:bg>
     <p:spTree>
       <p:nvGrpSpPr>
         <p:cNvPr id="1" name=""/>
@@ -3762,7 +3813,7 @@
         </p:nvSpPr>
         <p:spPr>
           <a:xfrm>
-            <a:off x="207580" y="2317503"/>
+            <a:off x="207580" y="1769515"/>
             <a:ext cx="10515600" cy="4351338"/>
           </a:xfrm>
         </p:spPr>
@@ -3840,7 +3891,7 @@
           <p:nvPr/>
         </p:nvPicPr>
         <p:blipFill>
-          <a:blip r:embed="rId2">
+          <a:blip r:embed="rId3">
             <a:extLst>
               <a:ext uri="{28A0092B-C50C-407E-A947-70E740481C1C}">
                 <a14:useLocalDpi xmlns:a14="http://schemas.microsoft.com/office/drawing/2010/main" val="0"/>
@@ -3853,8 +3904,8 @@
         </p:blipFill>
         <p:spPr>
           <a:xfrm>
-            <a:off x="8613228" y="1769515"/>
-            <a:ext cx="3226676" cy="2909395"/>
+            <a:off x="8765628" y="1769515"/>
+            <a:ext cx="3074276" cy="2909395"/>
           </a:xfrm>
           <a:prstGeom prst="rect">
             <a:avLst/>
@@ -3876,13 +3927,13 @@
   <p:clrMapOvr>
     <a:masterClrMapping/>
   </p:clrMapOvr>
-  <mc:AlternateContent xmlns:mc="http://schemas.openxmlformats.org/markup-compatibility/2006">
-    <mc:Choice xmlns:p14="http://schemas.microsoft.com/office/powerpoint/2010/main" Requires="p14">
+  <mc:AlternateContent xmlns:mc="http://schemas.openxmlformats.org/markup-compatibility/2006" xmlns:p14="http://schemas.microsoft.com/office/powerpoint/2010/main">
+    <mc:Choice Requires="p14">
       <p:transition spd="slow" p14:dur="1250">
         <p14:flip dir="r"/>
       </p:transition>
     </mc:Choice>
-    <mc:Fallback>
+    <mc:Fallback xmlns="">
       <p:transition spd="slow">
         <p:fade/>
       </p:transition>
@@ -4586,6 +4637,20 @@
 <file path=ppt/slides/slide12.xml><?xml version="1.0" encoding="utf-8"?>
 <p:sld xmlns:a="http://schemas.openxmlformats.org/drawingml/2006/main" xmlns:r="http://schemas.openxmlformats.org/officeDocument/2006/relationships" xmlns:p="http://schemas.openxmlformats.org/presentationml/2006/main">
   <p:cSld>
+    <p:bg>
+      <p:bgPr>
+        <a:blipFill dpi="0" rotWithShape="1">
+          <a:blip r:embed="rId2">
+            <a:lum/>
+          </a:blip>
+          <a:srcRect/>
+          <a:stretch>
+            <a:fillRect t="-6000" b="-6000"/>
+          </a:stretch>
+        </a:blipFill>
+        <a:effectLst/>
+      </p:bgPr>
+    </p:bg>
     <p:spTree>
       <p:nvGrpSpPr>
         <p:cNvPr id="1" name=""/>
@@ -4733,7 +4798,7 @@
           <p:nvPr/>
         </p:nvPicPr>
         <p:blipFill>
-          <a:blip r:embed="rId2">
+          <a:blip r:embed="rId3">
             <a:extLst>
               <a:ext uri="{28A0092B-C50C-407E-A947-70E740481C1C}">
                 <a14:useLocalDpi xmlns:a14="http://schemas.microsoft.com/office/drawing/2010/main" val="0"/>
@@ -4764,13 +4829,13 @@
   <p:clrMapOvr>
     <a:masterClrMapping/>
   </p:clrMapOvr>
-  <mc:AlternateContent xmlns:mc="http://schemas.openxmlformats.org/markup-compatibility/2006">
-    <mc:Choice xmlns:p14="http://schemas.microsoft.com/office/powerpoint/2010/main" Requires="p14">
+  <mc:AlternateContent xmlns:mc="http://schemas.openxmlformats.org/markup-compatibility/2006" xmlns:p14="http://schemas.microsoft.com/office/powerpoint/2010/main">
+    <mc:Choice Requires="p14">
       <p:transition spd="slow" p14:dur="1200">
         <p14:prism/>
       </p:transition>
     </mc:Choice>
-    <mc:Fallback>
+    <mc:Fallback xmlns="">
       <p:transition spd="slow">
         <p:fade/>
       </p:transition>
@@ -5652,6 +5717,20 @@
 <file path=ppt/slides/slide13.xml><?xml version="1.0" encoding="utf-8"?>
 <p:sld xmlns:a="http://schemas.openxmlformats.org/drawingml/2006/main" xmlns:r="http://schemas.openxmlformats.org/officeDocument/2006/relationships" xmlns:p="http://schemas.openxmlformats.org/presentationml/2006/main">
   <p:cSld>
+    <p:bg>
+      <p:bgPr>
+        <a:blipFill dpi="0" rotWithShape="1">
+          <a:blip r:embed="rId2">
+            <a:lum/>
+          </a:blip>
+          <a:srcRect/>
+          <a:stretch>
+            <a:fillRect t="-9000" b="-9000"/>
+          </a:stretch>
+        </a:blipFill>
+        <a:effectLst/>
+      </p:bgPr>
+    </p:bg>
     <p:spTree>
       <p:nvGrpSpPr>
         <p:cNvPr id="1" name=""/>
@@ -5678,7 +5757,7 @@
         </p:nvSpPr>
         <p:spPr>
           <a:xfrm>
-            <a:off x="444062" y="2108774"/>
+            <a:off x="0" y="3567460"/>
             <a:ext cx="10515600" cy="1325563"/>
           </a:xfrm>
         </p:spPr>
@@ -5695,21 +5774,23 @@
             <a:r>
               <a:rPr lang="en-US" sz="12800" dirty="0" smtClean="0">
                 <a:solidFill>
-                  <a:schemeClr val="accent2"/>
-                </a:solidFill>
-                <a:latin typeface="Arial Rounded MT Bold" panose="020F0704030504030204" pitchFamily="34" charset="0"/>
-              </a:rPr>
-              <a:t>Tha</a:t>
-            </a:r>
-            <a:r>
-              <a:rPr lang="en-US" sz="12800" dirty="0" smtClean="0">
-                <a:solidFill>
-                  <a:schemeClr val="bg1">
+                  <a:schemeClr val="accent2">
                     <a:lumMod val="75000"/>
                   </a:schemeClr>
                 </a:solidFill>
                 <a:latin typeface="Arial Rounded MT Bold" panose="020F0704030504030204" pitchFamily="34" charset="0"/>
               </a:rPr>
+              <a:t>Tha</a:t>
+            </a:r>
+            <a:r>
+              <a:rPr lang="en-US" sz="12800" dirty="0" smtClean="0">
+                <a:solidFill>
+                  <a:schemeClr val="bg1">
+                    <a:lumMod val="65000"/>
+                  </a:schemeClr>
+                </a:solidFill>
+                <a:latin typeface="Arial Rounded MT Bold" panose="020F0704030504030204" pitchFamily="34" charset="0"/>
+              </a:rPr>
               <a:t>nk</a:t>
             </a:r>
             <a:r>
@@ -5738,7 +5819,9 @@
             <a:r>
               <a:rPr lang="en-US" sz="12800" dirty="0" smtClean="0">
                 <a:solidFill>
-                  <a:schemeClr val="accent6"/>
+                  <a:schemeClr val="accent6">
+                    <a:lumMod val="50000"/>
+                  </a:schemeClr>
                 </a:solidFill>
                 <a:latin typeface="Arial Rounded MT Bold" panose="020F0704030504030204" pitchFamily="34" charset="0"/>
               </a:rPr>
@@ -5746,7 +5829,9 @@
             </a:r>
             <a:endParaRPr lang="en-US" sz="12800" dirty="0">
               <a:solidFill>
-                <a:schemeClr val="accent6"/>
+                <a:schemeClr val="accent6">
+                  <a:lumMod val="50000"/>
+                </a:schemeClr>
               </a:solidFill>
               <a:latin typeface="Arial Rounded MT Bold" panose="020F0704030504030204" pitchFamily="34" charset="0"/>
             </a:endParaRPr>
@@ -5763,13 +5848,13 @@
   <p:clrMapOvr>
     <a:masterClrMapping/>
   </p:clrMapOvr>
-  <mc:AlternateContent xmlns:mc="http://schemas.openxmlformats.org/markup-compatibility/2006">
-    <mc:Choice xmlns:p14="http://schemas.microsoft.com/office/powerpoint/2010/main" Requires="p14">
+  <mc:AlternateContent xmlns:mc="http://schemas.openxmlformats.org/markup-compatibility/2006" xmlns:p14="http://schemas.microsoft.com/office/powerpoint/2010/main">
+    <mc:Choice Requires="p14">
       <p:transition spd="slow" p14:dur="900">
         <p14:warp dir="in"/>
       </p:transition>
     </mc:Choice>
-    <mc:Fallback>
+    <mc:Fallback xmlns="">
       <p:transition spd="slow">
         <p:fade/>
       </p:transition>
@@ -6110,6 +6195,20 @@
 <file path=ppt/slides/slide2.xml><?xml version="1.0" encoding="utf-8"?>
 <p:sld xmlns:a="http://schemas.openxmlformats.org/drawingml/2006/main" xmlns:r="http://schemas.openxmlformats.org/officeDocument/2006/relationships" xmlns:p="http://schemas.openxmlformats.org/presentationml/2006/main">
   <p:cSld>
+    <p:bg>
+      <p:bgPr>
+        <a:blipFill dpi="0" rotWithShape="1">
+          <a:blip r:embed="rId2">
+            <a:lum/>
+          </a:blip>
+          <a:srcRect/>
+          <a:stretch>
+            <a:fillRect/>
+          </a:stretch>
+        </a:blipFill>
+        <a:effectLst/>
+      </p:bgPr>
+    </p:bg>
     <p:spTree>
       <p:nvGrpSpPr>
         <p:cNvPr id="1" name=""/>
@@ -6136,7 +6235,7 @@
         </p:nvSpPr>
         <p:spPr>
           <a:xfrm>
-            <a:off x="1279635" y="581408"/>
+            <a:off x="415159" y="872755"/>
             <a:ext cx="10515600" cy="1325563"/>
           </a:xfrm>
         </p:spPr>
@@ -6173,7 +6272,12 @@
             <p:ph idx="1"/>
           </p:nvPr>
         </p:nvSpPr>
-        <p:spPr/>
+        <p:spPr>
+          <a:xfrm>
+            <a:off x="415159" y="2198318"/>
+            <a:ext cx="10515600" cy="4351338"/>
+          </a:xfrm>
+        </p:spPr>
         <p:txBody>
           <a:bodyPr/>
           <a:lstStyle/>
@@ -6199,17 +6303,8 @@
               <a:rPr lang="en-US" dirty="0" smtClean="0">
                 <a:latin typeface="Bahnschrift" panose="020B0502040204020203" pitchFamily="34" charset="0"/>
               </a:rPr>
-              <a:t> November </a:t>
-            </a:r>
-            <a:r>
-              <a:rPr lang="en-US" dirty="0" smtClean="0">
-                <a:latin typeface="Bahnschrift" panose="020B0502040204020203" pitchFamily="34" charset="0"/>
-              </a:rPr>
-              <a:t>1949</a:t>
-            </a:r>
-            <a:endParaRPr lang="en-US" dirty="0" smtClean="0">
-              <a:latin typeface="Bahnschrift" panose="020B0502040204020203" pitchFamily="34" charset="0"/>
-            </a:endParaRPr>
+              <a:t> November 1949</a:t>
+            </a:r>
           </a:p>
           <a:p>
             <a:pPr>
@@ -6233,17 +6328,8 @@
               <a:rPr lang="en-US" dirty="0" smtClean="0">
                 <a:latin typeface="Bahnschrift" panose="020B0502040204020203" pitchFamily="34" charset="0"/>
               </a:rPr>
-              <a:t> January </a:t>
-            </a:r>
-            <a:r>
-              <a:rPr lang="en-US" dirty="0" smtClean="0">
-                <a:latin typeface="Bahnschrift" panose="020B0502040204020203" pitchFamily="34" charset="0"/>
-              </a:rPr>
-              <a:t>1950</a:t>
-            </a:r>
-            <a:endParaRPr lang="en-US" dirty="0" smtClean="0">
-              <a:latin typeface="Bahnschrift" panose="020B0502040204020203" pitchFamily="34" charset="0"/>
-            </a:endParaRPr>
+              <a:t> January 1950</a:t>
+            </a:r>
           </a:p>
           <a:p>
             <a:pPr>
@@ -6255,17 +6341,8 @@
               <a:rPr lang="en-US" dirty="0" smtClean="0">
                 <a:latin typeface="Bahnschrift" panose="020B0502040204020203" pitchFamily="34" charset="0"/>
               </a:rPr>
-              <a:t>World’s lonest written </a:t>
-            </a:r>
-            <a:r>
-              <a:rPr lang="en-US" dirty="0" smtClean="0">
-                <a:latin typeface="Bahnschrift" panose="020B0502040204020203" pitchFamily="34" charset="0"/>
-              </a:rPr>
-              <a:t>constitution</a:t>
-            </a:r>
-            <a:endParaRPr lang="en-US" dirty="0" smtClean="0">
-              <a:latin typeface="Bahnschrift" panose="020B0502040204020203" pitchFamily="34" charset="0"/>
-            </a:endParaRPr>
+              <a:t>World’s lonest written constitution</a:t>
+            </a:r>
           </a:p>
           <a:p>
             <a:pPr>
@@ -6277,13 +6354,7 @@
               <a:rPr lang="en-US" dirty="0" smtClean="0">
                 <a:latin typeface="Bahnschrift" panose="020B0502040204020203" pitchFamily="34" charset="0"/>
               </a:rPr>
-              <a:t>Defines Rights, Duties &amp; </a:t>
-            </a:r>
-            <a:r>
-              <a:rPr lang="en-US" dirty="0" smtClean="0">
-                <a:latin typeface="Bahnschrift" panose="020B0502040204020203" pitchFamily="34" charset="0"/>
-              </a:rPr>
-              <a:t>Governance</a:t>
+              <a:t>Defines Rights, Duties &amp; Governance</a:t>
             </a:r>
             <a:endParaRPr lang="en-US" dirty="0">
               <a:latin typeface="Bahnschrift" panose="020B0502040204020203" pitchFamily="34" charset="0"/>
@@ -6300,7 +6371,7 @@
           <p:nvPr/>
         </p:nvPicPr>
         <p:blipFill>
-          <a:blip r:embed="rId2">
+          <a:blip r:embed="rId3">
             <a:extLst>
               <a:ext uri="{28A0092B-C50C-407E-A947-70E740481C1C}">
                 <a14:useLocalDpi xmlns:a14="http://schemas.microsoft.com/office/drawing/2010/main" val="0"/>
@@ -6313,7 +6384,7 @@
         </p:blipFill>
         <p:spPr>
           <a:xfrm>
-            <a:off x="7790794" y="1204146"/>
+            <a:off x="7254766" y="1755939"/>
             <a:ext cx="4004441" cy="3894083"/>
           </a:xfrm>
           <a:prstGeom prst="rect">
@@ -6978,6 +7049,20 @@
 <file path=ppt/slides/slide3.xml><?xml version="1.0" encoding="utf-8"?>
 <p:sld xmlns:a="http://schemas.openxmlformats.org/drawingml/2006/main" xmlns:r="http://schemas.openxmlformats.org/officeDocument/2006/relationships" xmlns:p="http://schemas.openxmlformats.org/presentationml/2006/main">
   <p:cSld>
+    <p:bg>
+      <p:bgPr>
+        <a:blipFill dpi="0" rotWithShape="1">
+          <a:blip r:embed="rId2">
+            <a:lum/>
+          </a:blip>
+          <a:srcRect/>
+          <a:stretch>
+            <a:fillRect t="-17000" b="-17000"/>
+          </a:stretch>
+        </a:blipFill>
+        <a:effectLst/>
+      </p:bgPr>
+    </p:bg>
     <p:spTree>
       <p:nvGrpSpPr>
         <p:cNvPr id="1" name=""/>
@@ -7067,17 +7152,8 @@
               <a:rPr lang="en-US" dirty="0" smtClean="0">
                 <a:latin typeface="Bahnschrift" panose="020B0502040204020203" pitchFamily="34" charset="0"/>
               </a:rPr>
-              <a:t>Written &amp; Detailed </a:t>
-            </a:r>
-            <a:r>
-              <a:rPr lang="en-US" dirty="0" smtClean="0">
-                <a:latin typeface="Bahnschrift" panose="020B0502040204020203" pitchFamily="34" charset="0"/>
-              </a:rPr>
-              <a:t>Document</a:t>
-            </a:r>
-            <a:endParaRPr lang="en-US" dirty="0" smtClean="0">
-              <a:latin typeface="Bahnschrift" panose="020B0502040204020203" pitchFamily="34" charset="0"/>
-            </a:endParaRPr>
+              <a:t>Written &amp; Detailed Document</a:t>
+            </a:r>
           </a:p>
           <a:p>
             <a:pPr>
@@ -7089,17 +7165,8 @@
               <a:rPr lang="en-US" dirty="0" smtClean="0">
                 <a:latin typeface="Bahnschrift" panose="020B0502040204020203" pitchFamily="34" charset="0"/>
               </a:rPr>
-              <a:t>Parliamentary System of </a:t>
-            </a:r>
-            <a:r>
-              <a:rPr lang="en-US" dirty="0" smtClean="0">
-                <a:latin typeface="Bahnschrift" panose="020B0502040204020203" pitchFamily="34" charset="0"/>
-              </a:rPr>
-              <a:t>Government</a:t>
-            </a:r>
-            <a:endParaRPr lang="en-US" dirty="0" smtClean="0">
-              <a:latin typeface="Bahnschrift" panose="020B0502040204020203" pitchFamily="34" charset="0"/>
-            </a:endParaRPr>
+              <a:t>Parliamentary System of Government</a:t>
+            </a:r>
           </a:p>
           <a:p>
             <a:pPr>
@@ -7111,17 +7178,8 @@
               <a:rPr lang="en-US" dirty="0" smtClean="0">
                 <a:latin typeface="Bahnschrift" panose="020B0502040204020203" pitchFamily="34" charset="0"/>
               </a:rPr>
-              <a:t>Federal with Unitary </a:t>
-            </a:r>
-            <a:r>
-              <a:rPr lang="en-US" dirty="0" smtClean="0">
-                <a:latin typeface="Bahnschrift" panose="020B0502040204020203" pitchFamily="34" charset="0"/>
-              </a:rPr>
-              <a:t>Bias</a:t>
-            </a:r>
-            <a:endParaRPr lang="en-US" dirty="0" smtClean="0">
-              <a:latin typeface="Bahnschrift" panose="020B0502040204020203" pitchFamily="34" charset="0"/>
-            </a:endParaRPr>
+              <a:t>Federal with Unitary Bias</a:t>
+            </a:r>
           </a:p>
           <a:p>
             <a:pPr>
@@ -7133,17 +7191,8 @@
               <a:rPr lang="en-US" dirty="0" smtClean="0">
                 <a:latin typeface="Bahnschrift" panose="020B0502040204020203" pitchFamily="34" charset="0"/>
               </a:rPr>
-              <a:t>Independent </a:t>
-            </a:r>
-            <a:r>
-              <a:rPr lang="en-US" dirty="0" smtClean="0">
-                <a:latin typeface="Bahnschrift" panose="020B0502040204020203" pitchFamily="34" charset="0"/>
-              </a:rPr>
-              <a:t>Judiciary</a:t>
-            </a:r>
-            <a:endParaRPr lang="en-US" dirty="0" smtClean="0">
-              <a:latin typeface="Bahnschrift" panose="020B0502040204020203" pitchFamily="34" charset="0"/>
-            </a:endParaRPr>
+              <a:t>Independent Judiciary</a:t>
+            </a:r>
           </a:p>
           <a:p>
             <a:pPr>
@@ -7155,13 +7204,7 @@
               <a:rPr lang="en-US" dirty="0" smtClean="0">
                 <a:latin typeface="Bahnschrift" panose="020B0502040204020203" pitchFamily="34" charset="0"/>
               </a:rPr>
-              <a:t>Secularism &amp; </a:t>
-            </a:r>
-            <a:r>
-              <a:rPr lang="en-US" dirty="0" smtClean="0">
-                <a:latin typeface="Bahnschrift" panose="020B0502040204020203" pitchFamily="34" charset="0"/>
-              </a:rPr>
-              <a:t>Socialism</a:t>
+              <a:t>Secularism &amp; Socialism</a:t>
             </a:r>
             <a:endParaRPr lang="en-US" dirty="0">
               <a:latin typeface="Bahnschrift" panose="020B0502040204020203" pitchFamily="34" charset="0"/>
@@ -7178,7 +7221,7 @@
           <p:nvPr/>
         </p:nvPicPr>
         <p:blipFill>
-          <a:blip r:embed="rId2">
+          <a:blip r:embed="rId3">
             <a:extLst>
               <a:ext uri="{28A0092B-C50C-407E-A947-70E740481C1C}">
                 <a14:useLocalDpi xmlns:a14="http://schemas.microsoft.com/office/drawing/2010/main" val="0"/>
@@ -7693,6 +7736,20 @@
 <file path=ppt/slides/slide4.xml><?xml version="1.0" encoding="utf-8"?>
 <p:sld xmlns:a="http://schemas.openxmlformats.org/drawingml/2006/main" xmlns:r="http://schemas.openxmlformats.org/officeDocument/2006/relationships" xmlns:p="http://schemas.openxmlformats.org/presentationml/2006/main">
   <p:cSld>
+    <p:bg>
+      <p:bgPr>
+        <a:blipFill dpi="0" rotWithShape="1">
+          <a:blip r:embed="rId2">
+            <a:lum/>
+          </a:blip>
+          <a:srcRect/>
+          <a:stretch>
+            <a:fillRect t="-17000" b="-17000"/>
+          </a:stretch>
+        </a:blipFill>
+        <a:effectLst/>
+      </p:bgPr>
+    </p:bg>
     <p:spTree>
       <p:nvGrpSpPr>
         <p:cNvPr id="1" name=""/>
@@ -7733,9 +7790,15 @@
               <a:rPr lang="en-US" sz="6000" dirty="0" smtClean="0">
                 <a:latin typeface="Arial Rounded MT Bold" panose="020F0704030504030204" pitchFamily="34" charset="0"/>
               </a:rPr>
-              <a:t>   Preamble</a:t>
-            </a:r>
-            <a:endParaRPr lang="en-US" sz="6000" dirty="0">
+              <a:t>   </a:t>
+            </a:r>
+            <a:r>
+              <a:rPr lang="en-US" sz="6000" b="1" dirty="0" smtClean="0">
+                <a:latin typeface="Arial Rounded MT Bold" panose="020F0704030504030204" pitchFamily="34" charset="0"/>
+              </a:rPr>
+              <a:t>Preamble</a:t>
+            </a:r>
+            <a:endParaRPr lang="en-US" sz="6000" b="1" dirty="0">
               <a:latin typeface="Arial Rounded MT Bold" panose="020F0704030504030204" pitchFamily="34" charset="0"/>
             </a:endParaRPr>
           </a:p>
@@ -7767,20 +7830,11 @@
               </a:lnSpc>
             </a:pPr>
             <a:r>
-              <a:rPr lang="en-US" dirty="0" smtClean="0">
+              <a:rPr lang="en-US" b="1" i="1" dirty="0" smtClean="0">
                 <a:latin typeface="Bahnschrift" panose="020B0502040204020203" pitchFamily="34" charset="0"/>
               </a:rPr>
-              <a:t>Represents soul of the </a:t>
-            </a:r>
-            <a:r>
-              <a:rPr lang="en-US" dirty="0" smtClean="0">
-                <a:latin typeface="Bahnschrift" panose="020B0502040204020203" pitchFamily="34" charset="0"/>
-              </a:rPr>
-              <a:t>Constitution</a:t>
-            </a:r>
-            <a:endParaRPr lang="en-US" dirty="0" smtClean="0">
-              <a:latin typeface="Bahnschrift" panose="020B0502040204020203" pitchFamily="34" charset="0"/>
-            </a:endParaRPr>
+              <a:t>Represents soul of the Constitution</a:t>
+            </a:r>
           </a:p>
           <a:p>
             <a:pPr>
@@ -7789,20 +7843,11 @@
               </a:lnSpc>
             </a:pPr>
             <a:r>
-              <a:rPr lang="en-US" dirty="0" smtClean="0">
+              <a:rPr lang="en-US" b="1" i="1" dirty="0" smtClean="0">
                 <a:latin typeface="Bahnschrift" panose="020B0502040204020203" pitchFamily="34" charset="0"/>
               </a:rPr>
-              <a:t>Starts with  ‘We, the People of India</a:t>
-            </a:r>
-            <a:r>
-              <a:rPr lang="en-US" dirty="0" smtClean="0">
-                <a:latin typeface="Bahnschrift" panose="020B0502040204020203" pitchFamily="34" charset="0"/>
-              </a:rPr>
-              <a:t>’</a:t>
-            </a:r>
-            <a:endParaRPr lang="en-US" dirty="0" smtClean="0">
-              <a:latin typeface="Bahnschrift" panose="020B0502040204020203" pitchFamily="34" charset="0"/>
-            </a:endParaRPr>
+              <a:t>Starts with  ‘We, the People of India’</a:t>
+            </a:r>
           </a:p>
           <a:p>
             <a:pPr>
@@ -7811,20 +7856,11 @@
               </a:lnSpc>
             </a:pPr>
             <a:r>
-              <a:rPr lang="en-US" dirty="0" smtClean="0">
+              <a:rPr lang="en-US" b="1" i="1" dirty="0" smtClean="0">
                 <a:latin typeface="Bahnschrift" panose="020B0502040204020203" pitchFamily="34" charset="0"/>
               </a:rPr>
-              <a:t>Promises: Justice, Liberty, Equality &amp; </a:t>
-            </a:r>
-            <a:r>
-              <a:rPr lang="en-US" dirty="0" smtClean="0">
-                <a:latin typeface="Bahnschrift" panose="020B0502040204020203" pitchFamily="34" charset="0"/>
-              </a:rPr>
-              <a:t>Fraternity</a:t>
-            </a:r>
-            <a:endParaRPr lang="en-US" dirty="0" smtClean="0">
-              <a:latin typeface="Bahnschrift" panose="020B0502040204020203" pitchFamily="34" charset="0"/>
-            </a:endParaRPr>
+              <a:t>Promises: Justice, Liberty, Equality &amp; Fraternity</a:t>
+            </a:r>
           </a:p>
           <a:p>
             <a:pPr>
@@ -7833,20 +7869,11 @@
               </a:lnSpc>
             </a:pPr>
             <a:r>
-              <a:rPr lang="en-US" dirty="0" smtClean="0">
+              <a:rPr lang="en-US" b="1" i="1" dirty="0" smtClean="0">
                 <a:latin typeface="Bahnschrift" panose="020B0502040204020203" pitchFamily="34" charset="0"/>
               </a:rPr>
-              <a:t>Declares India as Sovereign, Socialist, Secular,          Democratic </a:t>
-            </a:r>
-            <a:r>
-              <a:rPr lang="en-US" dirty="0" smtClean="0">
-                <a:latin typeface="Bahnschrift" panose="020B0502040204020203" pitchFamily="34" charset="0"/>
-              </a:rPr>
-              <a:t>Republic</a:t>
-            </a:r>
-            <a:endParaRPr lang="en-US" dirty="0" smtClean="0">
-              <a:latin typeface="Bahnschrift" panose="020B0502040204020203" pitchFamily="34" charset="0"/>
-            </a:endParaRPr>
+              <a:t>Declares India as Sovereign, Socialist, Secular,          Democratic Republic</a:t>
+            </a:r>
           </a:p>
         </p:txBody>
       </p:sp>
@@ -7859,7 +7886,7 @@
           <p:nvPr/>
         </p:nvPicPr>
         <p:blipFill>
-          <a:blip r:embed="rId2">
+          <a:blip r:embed="rId3">
             <a:extLst>
               <a:ext uri="{28A0092B-C50C-407E-A947-70E740481C1C}">
                 <a14:useLocalDpi xmlns:a14="http://schemas.microsoft.com/office/drawing/2010/main" val="0"/>
@@ -8288,6 +8315,20 @@
 <file path=ppt/slides/slide5.xml><?xml version="1.0" encoding="utf-8"?>
 <p:sld xmlns:a="http://schemas.openxmlformats.org/drawingml/2006/main" xmlns:r="http://schemas.openxmlformats.org/officeDocument/2006/relationships" xmlns:p="http://schemas.openxmlformats.org/presentationml/2006/main">
   <p:cSld>
+    <p:bg>
+      <p:bgPr>
+        <a:blipFill dpi="0" rotWithShape="1">
+          <a:blip r:embed="rId2">
+            <a:lum/>
+          </a:blip>
+          <a:srcRect/>
+          <a:stretch>
+            <a:fillRect t="-9000" b="-9000"/>
+          </a:stretch>
+        </a:blipFill>
+        <a:effectLst/>
+      </p:bgPr>
+    </p:bg>
     <p:spTree>
       <p:nvGrpSpPr>
         <p:cNvPr id="1" name=""/>
@@ -8359,17 +8400,8 @@
               <a:rPr lang="en-US" dirty="0" smtClean="0">
                 <a:latin typeface="Bahnschrift" panose="020B0502040204020203" pitchFamily="34" charset="0"/>
               </a:rPr>
-              <a:t>25 parts &amp; 12 </a:t>
-            </a:r>
-            <a:r>
-              <a:rPr lang="en-US" dirty="0" smtClean="0">
-                <a:latin typeface="Bahnschrift" panose="020B0502040204020203" pitchFamily="34" charset="0"/>
-              </a:rPr>
-              <a:t>Schedules</a:t>
-            </a:r>
-            <a:endParaRPr lang="en-US" dirty="0" smtClean="0">
-              <a:latin typeface="Bahnschrift" panose="020B0502040204020203" pitchFamily="34" charset="0"/>
-            </a:endParaRPr>
+              <a:t>25 parts &amp; 12 Schedules</a:t>
+            </a:r>
           </a:p>
           <a:p>
             <a:pPr>
@@ -8517,7 +8549,7 @@
           <p:nvPr/>
         </p:nvPicPr>
         <p:blipFill>
-          <a:blip r:embed="rId2">
+          <a:blip r:embed="rId3">
             <a:extLst>
               <a:ext uri="{28A0092B-C50C-407E-A947-70E740481C1C}">
                 <a14:useLocalDpi xmlns:a14="http://schemas.microsoft.com/office/drawing/2010/main" val="0"/>
@@ -9068,6 +9100,20 @@
 <file path=ppt/slides/slide6.xml><?xml version="1.0" encoding="utf-8"?>
 <p:sld xmlns:a="http://schemas.openxmlformats.org/drawingml/2006/main" xmlns:r="http://schemas.openxmlformats.org/officeDocument/2006/relationships" xmlns:p="http://schemas.openxmlformats.org/presentationml/2006/main">
   <p:cSld>
+    <p:bg>
+      <p:bgPr>
+        <a:blipFill dpi="0" rotWithShape="1">
+          <a:blip r:embed="rId2">
+            <a:lum/>
+          </a:blip>
+          <a:srcRect/>
+          <a:stretch>
+            <a:fillRect t="-13000" b="-13000"/>
+          </a:stretch>
+        </a:blipFill>
+        <a:effectLst/>
+      </p:bgPr>
+    </p:bg>
     <p:spTree>
       <p:nvGrpSpPr>
         <p:cNvPr id="1" name=""/>
@@ -9094,7 +9140,7 @@
         </p:nvSpPr>
         <p:spPr>
           <a:xfrm>
-            <a:off x="633249" y="349360"/>
+            <a:off x="1226331" y="243762"/>
             <a:ext cx="10515600" cy="1325563"/>
           </a:xfrm>
         </p:spPr>
@@ -9128,20 +9174,25 @@
         </p:nvSpPr>
         <p:spPr>
           <a:xfrm>
-            <a:off x="633249" y="1825624"/>
+            <a:off x="1676400" y="1569325"/>
             <a:ext cx="10515600" cy="4351338"/>
           </a:xfrm>
         </p:spPr>
         <p:txBody>
-          <a:bodyPr/>
+          <a:bodyPr>
+            <a:noAutofit/>
+          </a:bodyPr>
           <a:lstStyle/>
           <a:p>
             <a:pPr>
+              <a:lnSpc>
+                <a:spcPct val="160000"/>
+              </a:lnSpc>
               <a:buFont typeface="Wingdings" panose="05000000000000000000" pitchFamily="2" charset="2"/>
               <a:buChar char="Ø"/>
             </a:pPr>
             <a:r>
-              <a:rPr lang="en-US" dirty="0" smtClean="0">
+              <a:rPr lang="en-US" sz="2000" b="1" dirty="0" smtClean="0">
                 <a:latin typeface="Bahnschrift" panose="020B0502040204020203" pitchFamily="34" charset="0"/>
               </a:rPr>
               <a:t>Guaranteed to all citizens</a:t>
@@ -9149,11 +9200,14 @@
           </a:p>
           <a:p>
             <a:pPr>
+              <a:lnSpc>
+                <a:spcPct val="160000"/>
+              </a:lnSpc>
               <a:buFont typeface="Wingdings" panose="05000000000000000000" pitchFamily="2" charset="2"/>
               <a:buChar char="Ø"/>
             </a:pPr>
             <a:r>
-              <a:rPr lang="en-US" dirty="0" smtClean="0">
+              <a:rPr lang="en-US" sz="2000" b="1" dirty="0" smtClean="0">
                 <a:latin typeface="Bahnschrift" panose="020B0502040204020203" pitchFamily="34" charset="0"/>
               </a:rPr>
               <a:t>6 Categories:</a:t>
@@ -9161,11 +9215,14 @@
           </a:p>
           <a:p>
             <a:pPr>
+              <a:lnSpc>
+                <a:spcPct val="160000"/>
+              </a:lnSpc>
               <a:buFont typeface="Wingdings" panose="05000000000000000000" pitchFamily="2" charset="2"/>
               <a:buChar char="ü"/>
             </a:pPr>
             <a:r>
-              <a:rPr lang="en-US" dirty="0" smtClean="0">
+              <a:rPr lang="en-US" sz="2000" b="1" dirty="0" smtClean="0">
                 <a:latin typeface="Bahnschrift" panose="020B0502040204020203" pitchFamily="34" charset="0"/>
               </a:rPr>
               <a:t>1. Right to Equality</a:t>
@@ -9173,11 +9230,14 @@
           </a:p>
           <a:p>
             <a:pPr>
+              <a:lnSpc>
+                <a:spcPct val="160000"/>
+              </a:lnSpc>
               <a:buFont typeface="Wingdings" panose="05000000000000000000" pitchFamily="2" charset="2"/>
               <a:buChar char="ü"/>
             </a:pPr>
             <a:r>
-              <a:rPr lang="en-US" dirty="0" smtClean="0">
+              <a:rPr lang="en-US" sz="2000" b="1" dirty="0" smtClean="0">
                 <a:latin typeface="Bahnschrift" panose="020B0502040204020203" pitchFamily="34" charset="0"/>
               </a:rPr>
               <a:t>2. Right to Freedom</a:t>
@@ -9185,11 +9245,14 @@
           </a:p>
           <a:p>
             <a:pPr>
+              <a:lnSpc>
+                <a:spcPct val="160000"/>
+              </a:lnSpc>
               <a:buFont typeface="Wingdings" panose="05000000000000000000" pitchFamily="2" charset="2"/>
               <a:buChar char="ü"/>
             </a:pPr>
             <a:r>
-              <a:rPr lang="en-US" dirty="0" smtClean="0">
+              <a:rPr lang="en-US" sz="2000" b="1" dirty="0" smtClean="0">
                 <a:latin typeface="Bahnschrift" panose="020B0502040204020203" pitchFamily="34" charset="0"/>
               </a:rPr>
               <a:t>3. Right against Exploitation</a:t>
@@ -9197,11 +9260,14 @@
           </a:p>
           <a:p>
             <a:pPr>
+              <a:lnSpc>
+                <a:spcPct val="160000"/>
+              </a:lnSpc>
               <a:buFont typeface="Wingdings" panose="05000000000000000000" pitchFamily="2" charset="2"/>
               <a:buChar char="ü"/>
             </a:pPr>
             <a:r>
-              <a:rPr lang="en-US" dirty="0" smtClean="0">
+              <a:rPr lang="en-US" sz="2000" b="1" dirty="0" smtClean="0">
                 <a:latin typeface="Bahnschrift" panose="020B0502040204020203" pitchFamily="34" charset="0"/>
               </a:rPr>
               <a:t>4. Right to Freedom of Religion</a:t>
@@ -9209,11 +9275,14 @@
           </a:p>
           <a:p>
             <a:pPr>
+              <a:lnSpc>
+                <a:spcPct val="160000"/>
+              </a:lnSpc>
               <a:buFont typeface="Wingdings" panose="05000000000000000000" pitchFamily="2" charset="2"/>
               <a:buChar char="ü"/>
             </a:pPr>
             <a:r>
-              <a:rPr lang="en-US" dirty="0" smtClean="0">
+              <a:rPr lang="en-US" sz="2000" b="1" dirty="0" smtClean="0">
                 <a:latin typeface="Bahnschrift" panose="020B0502040204020203" pitchFamily="34" charset="0"/>
               </a:rPr>
               <a:t>5. Cultural &amp; Educational Rights</a:t>
@@ -9221,16 +9290,25 @@
           </a:p>
           <a:p>
             <a:pPr>
+              <a:lnSpc>
+                <a:spcPct val="160000"/>
+              </a:lnSpc>
               <a:buFont typeface="Wingdings" panose="05000000000000000000" pitchFamily="2" charset="2"/>
               <a:buChar char="ü"/>
             </a:pPr>
             <a:r>
-              <a:rPr lang="en-US" dirty="0" smtClean="0">
+              <a:rPr lang="en-US" sz="2000" b="1" dirty="0" smtClean="0">
                 <a:latin typeface="Bahnschrift" panose="020B0502040204020203" pitchFamily="34" charset="0"/>
               </a:rPr>
-              <a:t>6. Right to Constitutional Remedies</a:t>
-            </a:r>
-            <a:endParaRPr lang="en-US" dirty="0">
+              <a:t>6. Right to Constitutional </a:t>
+            </a:r>
+            <a:r>
+              <a:rPr lang="en-US" sz="2000" b="1" dirty="0" smtClean="0">
+                <a:latin typeface="Bahnschrift" panose="020B0502040204020203" pitchFamily="34" charset="0"/>
+              </a:rPr>
+              <a:t>Remedies</a:t>
+            </a:r>
+            <a:endParaRPr lang="en-US" sz="2000" b="1" dirty="0">
               <a:latin typeface="Bahnschrift" panose="020B0502040204020203" pitchFamily="34" charset="0"/>
             </a:endParaRPr>
           </a:p>
@@ -9245,7 +9323,7 @@
           <p:nvPr/>
         </p:nvPicPr>
         <p:blipFill>
-          <a:blip r:embed="rId2">
+          <a:blip r:embed="rId3">
             <a:extLst>
               <a:ext uri="{28A0092B-C50C-407E-A947-70E740481C1C}">
                 <a14:useLocalDpi xmlns:a14="http://schemas.microsoft.com/office/drawing/2010/main" val="0"/>
@@ -9258,8 +9336,8 @@
         </p:blipFill>
         <p:spPr>
           <a:xfrm>
-            <a:off x="7457090" y="1825624"/>
-            <a:ext cx="4162096" cy="3991851"/>
+            <a:off x="6484131" y="1805808"/>
+            <a:ext cx="3279604" cy="3048001"/>
           </a:xfrm>
           <a:prstGeom prst="rect">
             <a:avLst/>
@@ -9276,13 +9354,13 @@
   <p:clrMapOvr>
     <a:masterClrMapping/>
   </p:clrMapOvr>
-  <mc:AlternateContent xmlns:mc="http://schemas.openxmlformats.org/markup-compatibility/2006">
-    <mc:Choice xmlns:p14="http://schemas.microsoft.com/office/powerpoint/2010/main" Requires="p14">
+  <mc:AlternateContent xmlns:mc="http://schemas.openxmlformats.org/markup-compatibility/2006" xmlns:p14="http://schemas.microsoft.com/office/powerpoint/2010/main">
+    <mc:Choice Requires="p14">
       <p:transition spd="slow" p14:dur="3900">
         <p14:glitter pattern="hexagon"/>
       </p:transition>
     </mc:Choice>
-    <mc:Fallback>
+    <mc:Fallback xmlns="">
       <p:transition spd="slow">
         <p:fade/>
       </p:transition>
@@ -9922,6 +10000,20 @@
 <file path=ppt/slides/slide7.xml><?xml version="1.0" encoding="utf-8"?>
 <p:sld xmlns:a="http://schemas.openxmlformats.org/drawingml/2006/main" xmlns:r="http://schemas.openxmlformats.org/officeDocument/2006/relationships" xmlns:p="http://schemas.openxmlformats.org/presentationml/2006/main">
   <p:cSld>
+    <p:bg>
+      <p:bgPr>
+        <a:blipFill dpi="0" rotWithShape="1">
+          <a:blip r:embed="rId2">
+            <a:lum/>
+          </a:blip>
+          <a:srcRect/>
+          <a:stretch>
+            <a:fillRect t="-9000" b="-9000"/>
+          </a:stretch>
+        </a:blipFill>
+        <a:effectLst/>
+      </p:bgPr>
+    </p:bg>
     <p:spTree>
       <p:nvGrpSpPr>
         <p:cNvPr id="1" name=""/>
@@ -9948,7 +10040,7 @@
         </p:nvSpPr>
         <p:spPr>
           <a:xfrm>
-            <a:off x="649014" y="349359"/>
+            <a:off x="302173" y="443953"/>
             <a:ext cx="10515600" cy="1325563"/>
           </a:xfrm>
         </p:spPr>
@@ -9982,7 +10074,7 @@
         </p:nvSpPr>
         <p:spPr>
           <a:xfrm>
-            <a:off x="649014" y="1794094"/>
+            <a:off x="0" y="1510315"/>
             <a:ext cx="10515600" cy="4351338"/>
           </a:xfrm>
         </p:spPr>
@@ -10107,7 +10199,7 @@
           <p:nvPr/>
         </p:nvPicPr>
         <p:blipFill>
-          <a:blip r:embed="rId2" cstate="print">
+          <a:blip r:embed="rId3" cstate="print">
             <a:extLst>
               <a:ext uri="{28A0092B-C50C-407E-A947-70E740481C1C}">
                 <a14:useLocalDpi xmlns:a14="http://schemas.microsoft.com/office/drawing/2010/main" val="0"/>
@@ -10120,7 +10212,7 @@
         </p:blipFill>
         <p:spPr>
           <a:xfrm>
-            <a:off x="7851227" y="1674922"/>
+            <a:off x="7851227" y="1510315"/>
             <a:ext cx="3991304" cy="3038995"/>
           </a:xfrm>
           <a:prstGeom prst="rect">
@@ -10138,13 +10230,13 @@
   <p:clrMapOvr>
     <a:masterClrMapping/>
   </p:clrMapOvr>
-  <mc:AlternateContent xmlns:mc="http://schemas.openxmlformats.org/markup-compatibility/2006">
-    <mc:Choice xmlns:p14="http://schemas.microsoft.com/office/powerpoint/2010/main" Requires="p14">
+  <mc:AlternateContent xmlns:mc="http://schemas.openxmlformats.org/markup-compatibility/2006" xmlns:p14="http://schemas.microsoft.com/office/powerpoint/2010/main">
+    <mc:Choice Requires="p14">
       <p:transition spd="slow" p14:dur="1600">
         <p:blinds dir="vert"/>
       </p:transition>
     </mc:Choice>
-    <mc:Fallback>
+    <mc:Fallback xmlns="">
       <p:transition spd="slow">
         <p:blinds dir="vert"/>
       </p:transition>
@@ -10662,6 +10754,20 @@
 <file path=ppt/slides/slide8.xml><?xml version="1.0" encoding="utf-8"?>
 <p:sld xmlns:a="http://schemas.openxmlformats.org/drawingml/2006/main" xmlns:r="http://schemas.openxmlformats.org/officeDocument/2006/relationships" xmlns:p="http://schemas.openxmlformats.org/presentationml/2006/main">
   <p:cSld>
+    <p:bg>
+      <p:bgPr>
+        <a:blipFill dpi="0" rotWithShape="1">
+          <a:blip r:embed="rId2">
+            <a:lum/>
+          </a:blip>
+          <a:srcRect/>
+          <a:stretch>
+            <a:fillRect t="-9000" b="-9000"/>
+          </a:stretch>
+        </a:blipFill>
+        <a:effectLst/>
+      </p:bgPr>
+    </p:bg>
     <p:spTree>
       <p:nvGrpSpPr>
         <p:cNvPr id="1" name=""/>
@@ -10852,7 +10958,7 @@
           <p:nvPr/>
         </p:nvPicPr>
         <p:blipFill>
-          <a:blip r:embed="rId2">
+          <a:blip r:embed="rId3">
             <a:extLst>
               <a:ext uri="{28A0092B-C50C-407E-A947-70E740481C1C}">
                 <a14:useLocalDpi xmlns:a14="http://schemas.microsoft.com/office/drawing/2010/main" val="0"/>
@@ -10913,13 +11019,13 @@
   <p:clrMapOvr>
     <a:masterClrMapping/>
   </p:clrMapOvr>
-  <mc:AlternateContent xmlns:mc="http://schemas.openxmlformats.org/markup-compatibility/2006">
-    <mc:Choice xmlns:p14="http://schemas.microsoft.com/office/powerpoint/2010/main" Requires="p14">
+  <mc:AlternateContent xmlns:mc="http://schemas.openxmlformats.org/markup-compatibility/2006" xmlns:p14="http://schemas.microsoft.com/office/powerpoint/2010/main">
+    <mc:Choice Requires="p14">
       <p:transition spd="slow" p14:dur="2500">
         <p:checker/>
       </p:transition>
     </mc:Choice>
-    <mc:Fallback>
+    <mc:Fallback xmlns="">
       <p:transition spd="slow">
         <p:checker/>
       </p:transition>
@@ -11853,6 +11959,20 @@
 <file path=ppt/slides/slide9.xml><?xml version="1.0" encoding="utf-8"?>
 <p:sld xmlns:a="http://schemas.openxmlformats.org/drawingml/2006/main" xmlns:r="http://schemas.openxmlformats.org/officeDocument/2006/relationships" xmlns:p="http://schemas.openxmlformats.org/presentationml/2006/main">
   <p:cSld>
+    <p:bg>
+      <p:bgPr>
+        <a:blipFill dpi="0" rotWithShape="1">
+          <a:blip r:embed="rId2">
+            <a:lum/>
+          </a:blip>
+          <a:srcRect/>
+          <a:stretch>
+            <a:fillRect t="-17000" b="-17000"/>
+          </a:stretch>
+        </a:blipFill>
+        <a:effectLst/>
+      </p:bgPr>
+    </p:bg>
     <p:spTree>
       <p:nvGrpSpPr>
         <p:cNvPr id="1" name=""/>
@@ -12043,7 +12163,7 @@
           <p:nvPr/>
         </p:nvPicPr>
         <p:blipFill>
-          <a:blip r:embed="rId2">
+          <a:blip r:embed="rId3">
             <a:extLst>
               <a:ext uri="{28A0092B-C50C-407E-A947-70E740481C1C}">
                 <a14:useLocalDpi xmlns:a14="http://schemas.microsoft.com/office/drawing/2010/main" val="0"/>
@@ -12074,13 +12194,13 @@
   <p:clrMapOvr>
     <a:masterClrMapping/>
   </p:clrMapOvr>
-  <mc:AlternateContent xmlns:mc="http://schemas.openxmlformats.org/markup-compatibility/2006">
-    <mc:Choice xmlns:p14="http://schemas.microsoft.com/office/powerpoint/2010/main" Requires="p14">
+  <mc:AlternateContent xmlns:mc="http://schemas.openxmlformats.org/markup-compatibility/2006" xmlns:p14="http://schemas.microsoft.com/office/powerpoint/2010/main">
+    <mc:Choice Requires="p14">
       <p:transition spd="slow" p14:dur="4000">
         <p14:vortex dir="r"/>
       </p:transition>
     </mc:Choice>
-    <mc:Fallback>
+    <mc:Fallback xmlns="">
       <p:transition spd="slow">
         <p:fade/>
       </p:transition>
